--- a/1조11_19시험_최종PPT.pptx
+++ b/1조11_19시험_최종PPT.pptx
@@ -6679,10 +6679,10 @@
       </p:sp>
       <p:pic>
         <p:nvPicPr>
-          <p:cNvPr id="6" name="그림 5">
+          <p:cNvPr id="3" name="그림 2">
             <a:extLst>
               <a:ext uri="{FF2B5EF4-FFF2-40B4-BE49-F238E27FC236}">
-                <a16:creationId xmlns:a16="http://schemas.microsoft.com/office/drawing/2014/main" id="{A30019F3-E016-48A8-A698-BA56A057EAA9}"/>
+                <a16:creationId xmlns:a16="http://schemas.microsoft.com/office/drawing/2014/main" id="{BE6631FB-FD23-423A-A3BB-51965E95FB67}"/>
               </a:ext>
             </a:extLst>
           </p:cNvPr>
@@ -6699,8 +6699,8 @@
         </p:blipFill>
         <p:spPr>
           <a:xfrm>
-            <a:off x="257175" y="1776854"/>
-            <a:ext cx="5467350" cy="3157095"/>
+            <a:off x="416217" y="1137233"/>
+            <a:ext cx="5353050" cy="3543300"/>
           </a:xfrm>
           <a:prstGeom prst="rect">
             <a:avLst/>
@@ -6709,10 +6709,10 @@
       </p:pic>
       <p:pic>
         <p:nvPicPr>
-          <p:cNvPr id="8" name="그림 7">
+          <p:cNvPr id="7" name="그림 6">
             <a:extLst>
               <a:ext uri="{FF2B5EF4-FFF2-40B4-BE49-F238E27FC236}">
-                <a16:creationId xmlns:a16="http://schemas.microsoft.com/office/drawing/2014/main" id="{3D1F59CF-11E3-4FB4-BFD4-8EA51824FF55}"/>
+                <a16:creationId xmlns:a16="http://schemas.microsoft.com/office/drawing/2014/main" id="{88B67964-D255-4735-A51B-76C96A0B796D}"/>
               </a:ext>
             </a:extLst>
           </p:cNvPr>
@@ -6729,8 +6729,66 @@
         </p:blipFill>
         <p:spPr>
           <a:xfrm>
-            <a:off x="6187100" y="1208792"/>
-            <a:ext cx="4933227" cy="4543425"/>
+            <a:off x="6619875" y="185430"/>
+            <a:ext cx="4438650" cy="2981325"/>
+          </a:xfrm>
+          <a:prstGeom prst="rect">
+            <a:avLst/>
+          </a:prstGeom>
+        </p:spPr>
+      </p:pic>
+      <p:pic>
+        <p:nvPicPr>
+          <p:cNvPr id="10" name="그림 9">
+            <a:extLst>
+              <a:ext uri="{FF2B5EF4-FFF2-40B4-BE49-F238E27FC236}">
+                <a16:creationId xmlns:a16="http://schemas.microsoft.com/office/drawing/2014/main" id="{DC89BB68-B960-431A-BC96-ADADF8FBD08F}"/>
+              </a:ext>
+            </a:extLst>
+          </p:cNvPr>
+          <p:cNvPicPr>
+            <a:picLocks noChangeAspect="1"/>
+          </p:cNvPicPr>
+          <p:nvPr/>
+        </p:nvPicPr>
+        <p:blipFill rotWithShape="1">
+          <a:blip r:embed="rId4"/>
+          <a:srcRect l="-144" t="-4060" r="144" b="66227"/>
+          <a:stretch/>
+        </p:blipFill>
+        <p:spPr>
+          <a:xfrm>
+            <a:off x="6185484" y="3084659"/>
+            <a:ext cx="5629275" cy="2072081"/>
+          </a:xfrm>
+          <a:prstGeom prst="rect">
+            <a:avLst/>
+          </a:prstGeom>
+        </p:spPr>
+      </p:pic>
+      <p:pic>
+        <p:nvPicPr>
+          <p:cNvPr id="12" name="그림 11">
+            <a:extLst>
+              <a:ext uri="{FF2B5EF4-FFF2-40B4-BE49-F238E27FC236}">
+                <a16:creationId xmlns:a16="http://schemas.microsoft.com/office/drawing/2014/main" id="{9FE91191-B726-4910-8F33-ABD4BD82468B}"/>
+              </a:ext>
+            </a:extLst>
+          </p:cNvPr>
+          <p:cNvPicPr>
+            <a:picLocks noChangeAspect="1"/>
+          </p:cNvPicPr>
+          <p:nvPr/>
+        </p:nvPicPr>
+        <p:blipFill rotWithShape="1">
+          <a:blip r:embed="rId4"/>
+          <a:srcRect l="1724" t="63253" r="-1724" b="1949"/>
+          <a:stretch/>
+        </p:blipFill>
+        <p:spPr>
+          <a:xfrm>
+            <a:off x="6185484" y="4816310"/>
+            <a:ext cx="5629275" cy="1905829"/>
           </a:xfrm>
           <a:prstGeom prst="rect">
             <a:avLst/>
@@ -6769,10 +6827,10 @@
       </p:grpSpPr>
       <p:pic>
         <p:nvPicPr>
-          <p:cNvPr id="4" name="그림 3">
+          <p:cNvPr id="3" name="그림 2">
             <a:extLst>
               <a:ext uri="{FF2B5EF4-FFF2-40B4-BE49-F238E27FC236}">
-                <a16:creationId xmlns:a16="http://schemas.microsoft.com/office/drawing/2014/main" id="{32CDAAD0-C2BD-49D0-B5B1-6759EE2AC123}"/>
+                <a16:creationId xmlns:a16="http://schemas.microsoft.com/office/drawing/2014/main" id="{91AFF9A1-B9F1-4250-9C87-966C8EA205C2}"/>
               </a:ext>
             </a:extLst>
           </p:cNvPr>
@@ -6789,8 +6847,8 @@
         </p:blipFill>
         <p:spPr>
           <a:xfrm>
-            <a:off x="2950992" y="219075"/>
-            <a:ext cx="6135226" cy="6419850"/>
+            <a:off x="3459148" y="223837"/>
+            <a:ext cx="5391150" cy="6410325"/>
           </a:xfrm>
           <a:prstGeom prst="rect">
             <a:avLst/>
